--- a/Presentations/CTTC-2024/Introduction_to_Large_Language_Models-From_Foundation_to_Real_World_Applications.pptx
+++ b/Presentations/CTTC-2024/Introduction_to_Large_Language_Models-From_Foundation_to_Real_World_Applications.pptx
@@ -2814,7 +2814,7 @@
             <a:fld id="{0DC994AA-C437-4EF4-8BEF-0B832D7FA420}" type="datetimeFigureOut">
               <a:rPr lang="en-US" smtClean="0"/>
               <a:pPr/>
-              <a:t>9/26/2024</a:t>
+              <a:t>9/27/2024</a:t>
             </a:fld>
             <a:endParaRPr lang="en-US" dirty="0"/>
           </a:p>
@@ -2993,7 +2993,7 @@
             <a:fld id="{FB20CE03-6C3A-EB4D-A9B1-7EFD38B58412}" type="datetimeFigureOut">
               <a:rPr lang="en-US" smtClean="0"/>
               <a:pPr/>
-              <a:t>9/26/2024</a:t>
+              <a:t>9/27/2024</a:t>
             </a:fld>
             <a:endParaRPr lang="en-US" dirty="0"/>
           </a:p>
@@ -8279,7 +8279,7 @@
             <a:fld id="{D6D8061D-18C3-4F4F-85EF-561633F58754}" type="datetimeFigureOut">
               <a:rPr lang="en-US" smtClean="0"/>
               <a:pPr/>
-              <a:t>9/26/2024</a:t>
+              <a:t>9/27/2024</a:t>
             </a:fld>
             <a:endParaRPr lang="en-US" dirty="0"/>
           </a:p>
@@ -8424,7 +8424,7 @@
             <a:fld id="{D6D8061D-18C3-4F4F-85EF-561633F58754}" type="datetimeFigureOut">
               <a:rPr lang="en-US" smtClean="0"/>
               <a:pPr/>
-              <a:t>9/26/2024</a:t>
+              <a:t>9/27/2024</a:t>
             </a:fld>
             <a:endParaRPr lang="en-US" dirty="0"/>
           </a:p>
@@ -9566,7 +9566,7 @@
             <a:fld id="{D6D8061D-18C3-4F4F-85EF-561633F58754}" type="datetimeFigureOut">
               <a:rPr lang="en-US" smtClean="0"/>
               <a:pPr/>
-              <a:t>9/26/2024</a:t>
+              <a:t>9/27/2024</a:t>
             </a:fld>
             <a:endParaRPr lang="en-US" dirty="0"/>
           </a:p>
@@ -10891,7 +10891,7 @@
             <a:fld id="{D6D8061D-18C3-4F4F-85EF-561633F58754}" type="datetimeFigureOut">
               <a:rPr lang="en-US" smtClean="0"/>
               <a:pPr/>
-              <a:t>9/26/2024</a:t>
+              <a:t>9/27/2024</a:t>
             </a:fld>
             <a:endParaRPr lang="en-US" dirty="0"/>
           </a:p>
@@ -12159,7 +12159,7 @@
             <a:fld id="{D6D8061D-18C3-4F4F-85EF-561633F58754}" type="datetimeFigureOut">
               <a:rPr lang="en-US" smtClean="0"/>
               <a:pPr/>
-              <a:t>9/26/2024</a:t>
+              <a:t>9/27/2024</a:t>
             </a:fld>
             <a:endParaRPr lang="en-US" dirty="0"/>
           </a:p>
@@ -13226,7 +13226,7 @@
             <a:fld id="{D6D8061D-18C3-4F4F-85EF-561633F58754}" type="datetimeFigureOut">
               <a:rPr lang="en-US" smtClean="0"/>
               <a:pPr/>
-              <a:t>9/26/2024</a:t>
+              <a:t>9/27/2024</a:t>
             </a:fld>
             <a:endParaRPr lang="en-US" dirty="0"/>
           </a:p>
@@ -13637,7 +13637,7 @@
             <a:fld id="{D6D8061D-18C3-4F4F-85EF-561633F58754}" type="datetimeFigureOut">
               <a:rPr lang="en-US" smtClean="0"/>
               <a:pPr/>
-              <a:t>9/26/2024</a:t>
+              <a:t>9/27/2024</a:t>
             </a:fld>
             <a:endParaRPr lang="en-US" dirty="0"/>
           </a:p>
@@ -14605,7 +14605,7 @@
             <a:fld id="{D6D8061D-18C3-4F4F-85EF-561633F58754}" type="datetimeFigureOut">
               <a:rPr lang="en-US" smtClean="0"/>
               <a:pPr/>
-              <a:t>9/26/2024</a:t>
+              <a:t>9/27/2024</a:t>
             </a:fld>
             <a:endParaRPr lang="en-US" dirty="0"/>
           </a:p>
@@ -15443,7 +15443,7 @@
             <a:fld id="{D6D8061D-18C3-4F4F-85EF-561633F58754}" type="datetimeFigureOut">
               <a:rPr lang="en-US" smtClean="0"/>
               <a:pPr/>
-              <a:t>9/26/2024</a:t>
+              <a:t>9/27/2024</a:t>
             </a:fld>
             <a:endParaRPr lang="en-US" dirty="0"/>
           </a:p>
@@ -15686,7 +15686,7 @@
             <a:fld id="{D6D8061D-18C3-4F4F-85EF-561633F58754}" type="datetimeFigureOut">
               <a:rPr lang="en-US" smtClean="0"/>
               <a:pPr/>
-              <a:t>9/26/2024</a:t>
+              <a:t>9/27/2024</a:t>
             </a:fld>
             <a:endParaRPr lang="en-US" dirty="0"/>
           </a:p>
@@ -20164,49 +20164,6 @@
               <a:rPr lang="en-IN" sz="1700" dirty="0" smtClean="0"/>
               <a:t>Generate answer using LLM</a:t>
             </a:r>
-          </a:p>
-        </p:txBody>
-      </p:sp>
-      <p:sp>
-        <p:nvSpPr>
-          <p:cNvPr id="4" name="TextBox 3"/>
-          <p:cNvSpPr txBox="1"/>
-          <p:nvPr/>
-        </p:nvSpPr>
-        <p:spPr>
-          <a:xfrm>
-            <a:off x="1733550" y="4714875"/>
-            <a:ext cx="5761969" cy="307777"/>
-          </a:xfrm>
-          <a:prstGeom prst="rect">
-            <a:avLst/>
-          </a:prstGeom>
-          <a:noFill/>
-        </p:spPr>
-        <p:txBody>
-          <a:bodyPr wrap="square" rtlCol="0">
-            <a:spAutoFit/>
-          </a:bodyPr>
-          <a:lstStyle/>
-          <a:p>
-            <a:pPr algn="r"/>
-            <a:r>
-              <a:rPr lang="en-IN" b="1" dirty="0" smtClean="0">
-                <a:solidFill>
-                  <a:schemeClr val="accent2">
-                    <a:lumMod val="50000"/>
-                  </a:schemeClr>
-                </a:solidFill>
-              </a:rPr>
-              <a:t>*Meta-Llama-3.1-8B-Instruct</a:t>
-            </a:r>
-            <a:endParaRPr lang="en-IN" b="1" dirty="0">
-              <a:solidFill>
-                <a:schemeClr val="accent2">
-                  <a:lumMod val="50000"/>
-                </a:schemeClr>
-              </a:solidFill>
-            </a:endParaRPr>
           </a:p>
         </p:txBody>
       </p:sp>
@@ -30464,7 +30421,7 @@
                   </a:schemeClr>
                 </a:solidFill>
               </a:rPr>
-              <a:t>List ten keywords in following paragraph.</a:t>
+              <a:t>List top ten keywords for following paragraph.</a:t>
             </a:r>
           </a:p>
           <a:p>
@@ -30534,7 +30491,7 @@
         </p:spPr>
         <p:txBody>
           <a:bodyPr>
-            <a:normAutofit fontScale="62500" lnSpcReduction="20000"/>
+            <a:normAutofit fontScale="70000" lnSpcReduction="20000"/>
           </a:bodyPr>
           <a:lstStyle/>
           <a:p>
@@ -30547,7 +30504,7 @@
                   </a:schemeClr>
                 </a:solidFill>
               </a:rPr>
-              <a:t>Here are the ten keywords:</a:t>
+              <a:t>Here are the top ten keywords for the paragraph:</a:t>
             </a:r>
           </a:p>
           <a:p>
@@ -30560,7 +30517,7 @@
                   </a:schemeClr>
                 </a:solidFill>
               </a:rPr>
-              <a:t>Image Captioning</a:t>
+              <a:t>1. Fashion image captioning</a:t>
             </a:r>
           </a:p>
           <a:p>
@@ -30573,7 +30530,7 @@
                   </a:schemeClr>
                 </a:solidFill>
               </a:rPr>
-              <a:t>FashionVLM</a:t>
+              <a:t>2. Fashion Vision-Language Model (FashionVLM)</a:t>
             </a:r>
           </a:p>
           <a:p>
@@ -30586,7 +30543,7 @@
                   </a:schemeClr>
                 </a:solidFill>
               </a:rPr>
-              <a:t>Transformer</a:t>
+              <a:t>3. Large language model</a:t>
             </a:r>
           </a:p>
           <a:p>
@@ -30599,7 +30556,7 @@
                   </a:schemeClr>
                 </a:solidFill>
               </a:rPr>
-              <a:t>Fine-tuning</a:t>
+              <a:t>4. Vision transformer</a:t>
             </a:r>
           </a:p>
           <a:p>
@@ -30612,7 +30569,7 @@
                   </a:schemeClr>
                 </a:solidFill>
               </a:rPr>
-              <a:t>Multimodality</a:t>
+              <a:t>5. Querying Transformer</a:t>
             </a:r>
           </a:p>
           <a:p>
@@ -30625,7 +30582,7 @@
                   </a:schemeClr>
                 </a:solidFill>
               </a:rPr>
-              <a:t>Fashion Captioning</a:t>
+              <a:t>6. Fashion Captioning Dataset (FACAD)</a:t>
             </a:r>
           </a:p>
           <a:p>
@@ -30638,7 +30595,7 @@
                   </a:schemeClr>
                 </a:solidFill>
               </a:rPr>
-              <a:t>Language Model</a:t>
+              <a:t>7. BLIP-2</a:t>
             </a:r>
           </a:p>
           <a:p>
@@ -30651,7 +30608,7 @@
                   </a:schemeClr>
                 </a:solidFill>
               </a:rPr>
-              <a:t>Vision Transformer</a:t>
+              <a:t>8. MS COCO</a:t>
             </a:r>
           </a:p>
           <a:p>
@@ -30664,7 +30621,7 @@
                   </a:schemeClr>
                 </a:solidFill>
               </a:rPr>
-              <a:t>Dataset (specifically FACAD)</a:t>
+              <a:t>9. OPT-6.7</a:t>
             </a:r>
           </a:p>
           <a:p>
@@ -30677,7 +30634,7 @@
                   </a:schemeClr>
                 </a:solidFill>
               </a:rPr>
-              <a:t>Performance Metrics (including BLEU-4, CIDEr, ROUGE-L, and METEOR)</a:t>
+              <a:t>10. Fine-tuning</a:t>
             </a:r>
           </a:p>
           <a:p>
@@ -33334,7 +33291,7 @@
             </a:pPr>
             <a:r>
               <a:rPr lang="en-US" sz="2000" dirty="0" smtClean="0"/>
-              <a:t>128,000 tokens</a:t>
+              <a:t>128,000 (128K) tokens</a:t>
             </a:r>
           </a:p>
           <a:p>
